--- a/platform/documentation/src/Platform_Installation_Guide_for_Linux.pptx
+++ b/platform/documentation/src/Platform_Installation_Guide_for_Linux.pptx
@@ -11033,7 +11033,7 @@
                 <a:latin typeface="Consolas" panose="020B0609020204030204" pitchFamily="49" charset="0"/>
                 <a:hlinkClick r:id="rId3"/>
               </a:rPr>
-              <a:t>https://jenkins-2.sse.uni-hildesheim.de/view/IIP-Ecosphere/job/IIP_Install/lastSuccessfulBuild/artifact/install.tar.gz</a:t>
+              <a:t>https://jenkins-2.sse.uni-hildesheim.de/view/IIP-Ecosphere/job/IIP_Install/lastSuccessfulBuild/artifact/platform/tools/Install/install.tar.gz</a:t>
             </a:r>
             <a:endParaRPr lang="es-ES" dirty="0">
               <a:latin typeface="Consolas" panose="020B0609020204030204" pitchFamily="49" charset="0"/>

--- a/platform/documentation/src/Platform_Installation_Guide_for_Linux.pptx
+++ b/platform/documentation/src/Platform_Installation_Guide_for_Linux.pptx
@@ -9909,12 +9909,9 @@
               <a:rPr lang="en-GB" dirty="0">
                 <a:hlinkClick r:id="rId3"/>
               </a:rPr>
-              <a:t>https://sync.academiccloud.de/index.php/s/RWNxvXnELhTJNoc</a:t>
-            </a:r>
-            <a:r>
-              <a:rPr lang="en-GB" dirty="0"/>
-              <a:t> </a:t>
-            </a:r>
+              <a:t>https://sync.academiccloud.de/index.php/s/9INZ7eGe76wR8S2</a:t>
+            </a:r>
+            <a:endParaRPr lang="en-GB" dirty="0"/>
           </a:p>
           <a:p>
             <a:r>
